--- a/Presentation/Project_3_presentation_RQ.pptx
+++ b/Presentation/Project_3_presentation_RQ.pptx
@@ -5267,25 +5267,7 @@
                 <a:ea typeface="Calibri" panose="020F0502020204030204" pitchFamily="34" charset="0"/>
                 <a:cs typeface="Times New Roman" panose="02020603050405020304" pitchFamily="18" charset="0"/>
               </a:rPr>
-              <a:t>The </a:t>
-            </a:r>
-            <a:r>
-              <a:rPr lang="en-US" sz="1800" dirty="0" err="1">
-                <a:effectLst/>
-                <a:latin typeface="Open Sans" panose="020B0606030504020204" pitchFamily="34" charset="0"/>
-                <a:ea typeface="Calibri" panose="020F0502020204030204" pitchFamily="34" charset="0"/>
-                <a:cs typeface="Times New Roman" panose="02020603050405020304" pitchFamily="18" charset="0"/>
-              </a:rPr>
-              <a:t>Ichimocu</a:t>
-            </a:r>
-            <a:r>
-              <a:rPr lang="en-US" sz="1800" dirty="0">
-                <a:effectLst/>
-                <a:latin typeface="Open Sans" panose="020B0606030504020204" pitchFamily="34" charset="0"/>
-                <a:ea typeface="Calibri" panose="020F0502020204030204" pitchFamily="34" charset="0"/>
-                <a:cs typeface="Times New Roman" panose="02020603050405020304" pitchFamily="18" charset="0"/>
-              </a:rPr>
-              <a:t> Strategy is more recommended to be use in a short time frame (60 days/5 min) where it shows the cumulate returns most of the time is better than holding the position for the same time frame.</a:t>
+              <a:t>The Ichimoku Strategy is more recommended to be use in a short time frame (60 days/5 min) where it shows the cumulate returns most of the time is better than holding the position for the same time frame.</a:t>
             </a:r>
             <a:endParaRPr lang="en-US" sz="1800" dirty="0">
               <a:effectLst/>
@@ -5344,21 +5326,12 @@
               <a:t>In stocks with negative trend, the </a:t>
             </a:r>
             <a:r>
-              <a:rPr lang="en-US" dirty="0" err="1">
+              <a:rPr lang="en-US" dirty="0">
                 <a:latin typeface="Open Sans" panose="020B0606030504020204" pitchFamily="34" charset="0"/>
                 <a:ea typeface="Calibri" panose="020F0502020204030204" pitchFamily="34" charset="0"/>
                 <a:cs typeface="Times New Roman" panose="02020603050405020304" pitchFamily="18" charset="0"/>
               </a:rPr>
-              <a:t>I</a:t>
-            </a:r>
-            <a:r>
-              <a:rPr lang="en-US" sz="1800" dirty="0" err="1">
-                <a:effectLst/>
-                <a:latin typeface="Open Sans" panose="020B0606030504020204" pitchFamily="34" charset="0"/>
-                <a:ea typeface="Calibri" panose="020F0502020204030204" pitchFamily="34" charset="0"/>
-                <a:cs typeface="Times New Roman" panose="02020603050405020304" pitchFamily="18" charset="0"/>
-              </a:rPr>
-              <a:t>chimocu</a:t>
+              <a:t>Ichimoku</a:t>
             </a:r>
             <a:r>
               <a:rPr lang="en-US" sz="1800" dirty="0">
@@ -5933,19 +5906,7 @@
               <a:rPr lang="en-US" dirty="0">
                 <a:latin typeface="Montserrat"/>
               </a:rPr>
-              <a:t>The strategy has been built using the Conversion and Base lines from the </a:t>
-            </a:r>
-            <a:r>
-              <a:rPr lang="en-US" dirty="0" err="1">
-                <a:latin typeface="Montserrat"/>
-              </a:rPr>
-              <a:t>Ichimocu</a:t>
-            </a:r>
-            <a:r>
-              <a:rPr lang="en-US" dirty="0">
-                <a:latin typeface="Montserrat"/>
-              </a:rPr>
-              <a:t> Cloud indicator.</a:t>
+              <a:t>The strategy has been built using the Conversion and Base lines from the Ichimoku Cloud indicator.</a:t>
             </a:r>
           </a:p>
           <a:p>
